--- a/F2E MID/真·資工系網V3.pptx
+++ b/F2E MID/真·資工系網V3.pptx
@@ -121,6 +121,22 @@
       </a:defRPr>
     </a:lvl9pPr>
   </p:defaultTextStyle>
+  <p:extLst>
+    <p:ext uri="{EFAFB233-063F-42B5-8137-9DF3F51BA10A}">
+      <p15:sldGuideLst xmlns:p15="http://schemas.microsoft.com/office/powerpoint/2012/main">
+        <p15:guide id="1" orient="horz" pos="2160">
+          <p15:clr>
+            <a:srgbClr val="A4A3A4"/>
+          </p15:clr>
+        </p15:guide>
+        <p15:guide id="2" pos="2880">
+          <p15:clr>
+            <a:srgbClr val="A4A3A4"/>
+          </p15:clr>
+        </p15:guide>
+      </p15:sldGuideLst>
+    </p:ext>
+  </p:extLst>
 </p:presentation>
 </file>
 
@@ -252,13 +268,11 @@
         <p:spPr/>
         <p:txBody>
           <a:bodyPr/>
-          <a:lstStyle>
-            <a:extLst/>
-          </a:lstStyle>
+          <a:lstStyle/>
           <a:p>
             <a:fld id="{A41FF49D-663D-4487-9BE4-2286BE3F597B}" type="datetimeFigureOut">
               <a:rPr lang="zh-TW" altLang="en-US" smtClean="0"/>
-              <a:t>2018/4/25</a:t>
+              <a:t>2018/4/26</a:t>
             </a:fld>
             <a:endParaRPr lang="zh-TW" altLang="en-US"/>
           </a:p>
@@ -277,9 +291,7 @@
         <p:spPr/>
         <p:txBody>
           <a:bodyPr/>
-          <a:lstStyle>
-            <a:extLst/>
-          </a:lstStyle>
+          <a:lstStyle/>
           <a:p>
             <a:endParaRPr lang="zh-TW" altLang="en-US"/>
           </a:p>
@@ -298,9 +310,7 @@
         <p:spPr/>
         <p:txBody>
           <a:bodyPr/>
-          <a:lstStyle>
-            <a:extLst/>
-          </a:lstStyle>
+          <a:lstStyle/>
           <a:p>
             <a:fld id="{74CBAE19-BA89-4947-A6DB-93AC65259BEA}" type="slidenum">
               <a:rPr lang="zh-TW" altLang="en-US" smtClean="0"/>
@@ -388,9 +398,7 @@
         </p:style>
         <p:txBody>
           <a:bodyPr anchor="ctr"/>
-          <a:lstStyle>
-            <a:extLst/>
-          </a:lstStyle>
+          <a:lstStyle/>
           <a:p>
             <a:pPr algn="ctr" eaLnBrk="1" latinLnBrk="0" hangingPunct="1"/>
             <a:endParaRPr kumimoji="0" lang="en-US"/>
@@ -439,9 +447,7 @@
         </p:style>
         <p:txBody>
           <a:bodyPr anchor="ctr"/>
-          <a:lstStyle>
-            <a:extLst/>
-          </a:lstStyle>
+          <a:lstStyle/>
           <a:p>
             <a:pPr algn="ctr" eaLnBrk="1" latinLnBrk="0" hangingPunct="1"/>
             <a:endParaRPr kumimoji="0" lang="en-US"/>
@@ -486,9 +492,7 @@
         <p:spPr/>
         <p:txBody>
           <a:bodyPr/>
-          <a:lstStyle>
-            <a:extLst/>
-          </a:lstStyle>
+          <a:lstStyle/>
           <a:p>
             <a:r>
               <a:rPr kumimoji="0" lang="zh-TW" altLang="en-US" smtClean="0"/>
@@ -511,9 +515,7 @@
         <p:spPr/>
         <p:txBody>
           <a:bodyPr vert="eaVert"/>
-          <a:lstStyle>
-            <a:extLst/>
-          </a:lstStyle>
+          <a:lstStyle/>
           <a:p>
             <a:pPr lvl="0" eaLnBrk="1" latinLnBrk="0" hangingPunct="1"/>
             <a:r>
@@ -565,13 +567,11 @@
         <p:spPr/>
         <p:txBody>
           <a:bodyPr/>
-          <a:lstStyle>
-            <a:extLst/>
-          </a:lstStyle>
+          <a:lstStyle/>
           <a:p>
             <a:fld id="{A41FF49D-663D-4487-9BE4-2286BE3F597B}" type="datetimeFigureOut">
               <a:rPr lang="zh-TW" altLang="en-US" smtClean="0"/>
-              <a:t>2018/4/25</a:t>
+              <a:t>2018/4/26</a:t>
             </a:fld>
             <a:endParaRPr lang="zh-TW" altLang="en-US"/>
           </a:p>
@@ -590,9 +590,7 @@
         <p:spPr/>
         <p:txBody>
           <a:bodyPr/>
-          <a:lstStyle>
-            <a:extLst/>
-          </a:lstStyle>
+          <a:lstStyle/>
           <a:p>
             <a:endParaRPr lang="zh-TW" altLang="en-US"/>
           </a:p>
@@ -611,9 +609,7 @@
         <p:spPr/>
         <p:txBody>
           <a:bodyPr/>
-          <a:lstStyle>
-            <a:extLst/>
-          </a:lstStyle>
+          <a:lstStyle/>
           <a:p>
             <a:fld id="{74CBAE19-BA89-4947-A6DB-93AC65259BEA}" type="slidenum">
               <a:rPr lang="zh-TW" altLang="en-US" smtClean="0"/>
@@ -666,9 +662,7 @@
         </p:spPr>
         <p:txBody>
           <a:bodyPr vert="eaVert"/>
-          <a:lstStyle>
-            <a:extLst/>
-          </a:lstStyle>
+          <a:lstStyle/>
           <a:p>
             <a:r>
               <a:rPr kumimoji="0" lang="zh-TW" altLang="en-US" smtClean="0"/>
@@ -696,9 +690,7 @@
         </p:spPr>
         <p:txBody>
           <a:bodyPr vert="eaVert"/>
-          <a:lstStyle>
-            <a:extLst/>
-          </a:lstStyle>
+          <a:lstStyle/>
           <a:p>
             <a:pPr lvl="0" eaLnBrk="1" latinLnBrk="0" hangingPunct="1"/>
             <a:r>
@@ -750,13 +742,11 @@
         <p:spPr/>
         <p:txBody>
           <a:bodyPr/>
-          <a:lstStyle>
-            <a:extLst/>
-          </a:lstStyle>
+          <a:lstStyle/>
           <a:p>
             <a:fld id="{A41FF49D-663D-4487-9BE4-2286BE3F597B}" type="datetimeFigureOut">
               <a:rPr lang="zh-TW" altLang="en-US" smtClean="0"/>
-              <a:t>2018/4/25</a:t>
+              <a:t>2018/4/26</a:t>
             </a:fld>
             <a:endParaRPr lang="zh-TW" altLang="en-US"/>
           </a:p>
@@ -775,9 +765,7 @@
         <p:spPr/>
         <p:txBody>
           <a:bodyPr/>
-          <a:lstStyle>
-            <a:extLst/>
-          </a:lstStyle>
+          <a:lstStyle/>
           <a:p>
             <a:endParaRPr lang="zh-TW" altLang="en-US"/>
           </a:p>
@@ -796,9 +784,7 @@
         <p:spPr/>
         <p:txBody>
           <a:bodyPr/>
-          <a:lstStyle>
-            <a:extLst/>
-          </a:lstStyle>
+          <a:lstStyle/>
           <a:p>
             <a:fld id="{74CBAE19-BA89-4947-A6DB-93AC65259BEA}" type="slidenum">
               <a:rPr lang="zh-TW" altLang="en-US" smtClean="0"/>
@@ -846,9 +832,7 @@
         <p:spPr/>
         <p:txBody>
           <a:bodyPr/>
-          <a:lstStyle>
-            <a:extLst/>
-          </a:lstStyle>
+          <a:lstStyle/>
           <a:p>
             <a:r>
               <a:rPr kumimoji="0" lang="zh-TW" altLang="en-US" smtClean="0"/>
@@ -871,9 +855,7 @@
         <p:spPr/>
         <p:txBody>
           <a:bodyPr/>
-          <a:lstStyle>
-            <a:extLst/>
-          </a:lstStyle>
+          <a:lstStyle/>
           <a:p>
             <a:pPr lvl="0" eaLnBrk="1" latinLnBrk="0" hangingPunct="1"/>
             <a:r>
@@ -925,13 +907,11 @@
         <p:spPr/>
         <p:txBody>
           <a:bodyPr/>
-          <a:lstStyle>
-            <a:extLst/>
-          </a:lstStyle>
+          <a:lstStyle/>
           <a:p>
             <a:fld id="{A41FF49D-663D-4487-9BE4-2286BE3F597B}" type="datetimeFigureOut">
               <a:rPr lang="zh-TW" altLang="en-US" smtClean="0"/>
-              <a:t>2018/4/25</a:t>
+              <a:t>2018/4/26</a:t>
             </a:fld>
             <a:endParaRPr lang="zh-TW" altLang="en-US"/>
           </a:p>
@@ -950,9 +930,7 @@
         <p:spPr/>
         <p:txBody>
           <a:bodyPr/>
-          <a:lstStyle>
-            <a:extLst/>
-          </a:lstStyle>
+          <a:lstStyle/>
           <a:p>
             <a:endParaRPr lang="zh-TW" altLang="en-US"/>
           </a:p>
@@ -971,9 +949,7 @@
         <p:spPr/>
         <p:txBody>
           <a:bodyPr/>
-          <a:lstStyle>
-            <a:extLst/>
-          </a:lstStyle>
+          <a:lstStyle/>
           <a:p>
             <a:fld id="{74CBAE19-BA89-4947-A6DB-93AC65259BEA}" type="slidenum">
               <a:rPr lang="zh-TW" altLang="en-US" smtClean="0"/>
@@ -1047,9 +1023,7 @@
         </p:style>
         <p:txBody>
           <a:bodyPr anchor="ctr"/>
-          <a:lstStyle>
-            <a:extLst/>
-          </a:lstStyle>
+          <a:lstStyle/>
           <a:p>
             <a:pPr algn="ctr" eaLnBrk="1" latinLnBrk="0" hangingPunct="1"/>
             <a:endParaRPr kumimoji="0" lang="en-US"/>
@@ -1193,13 +1167,11 @@
         <p:spPr/>
         <p:txBody>
           <a:bodyPr/>
-          <a:lstStyle>
-            <a:extLst/>
-          </a:lstStyle>
+          <a:lstStyle/>
           <a:p>
             <a:fld id="{A41FF49D-663D-4487-9BE4-2286BE3F597B}" type="datetimeFigureOut">
               <a:rPr lang="zh-TW" altLang="en-US" smtClean="0"/>
-              <a:t>2018/4/25</a:t>
+              <a:t>2018/4/26</a:t>
             </a:fld>
             <a:endParaRPr lang="zh-TW" altLang="en-US"/>
           </a:p>
@@ -1218,9 +1190,7 @@
         <p:spPr/>
         <p:txBody>
           <a:bodyPr/>
-          <a:lstStyle>
-            <a:extLst/>
-          </a:lstStyle>
+          <a:lstStyle/>
           <a:p>
             <a:endParaRPr lang="zh-TW" altLang="en-US"/>
           </a:p>
@@ -1239,9 +1209,7 @@
         <p:spPr/>
         <p:txBody>
           <a:bodyPr/>
-          <a:lstStyle>
-            <a:extLst/>
-          </a:lstStyle>
+          <a:lstStyle/>
           <a:p>
             <a:fld id="{74CBAE19-BA89-4947-A6DB-93AC65259BEA}" type="slidenum">
               <a:rPr lang="zh-TW" altLang="en-US" smtClean="0"/>
@@ -1298,9 +1266,7 @@
         </p:style>
         <p:txBody>
           <a:bodyPr anchor="ctr"/>
-          <a:lstStyle>
-            <a:extLst/>
-          </a:lstStyle>
+          <a:lstStyle/>
           <a:p>
             <a:pPr algn="ctr" eaLnBrk="1" latinLnBrk="0" hangingPunct="1"/>
             <a:endParaRPr kumimoji="0" lang="en-US"/>
@@ -1385,9 +1351,7 @@
         </p:style>
         <p:txBody>
           <a:bodyPr anchor="ctr"/>
-          <a:lstStyle>
-            <a:extLst/>
-          </a:lstStyle>
+          <a:lstStyle/>
           <a:p>
             <a:pPr algn="ctr" eaLnBrk="1" latinLnBrk="0" hangingPunct="1"/>
             <a:endParaRPr kumimoji="0" lang="en-US"/>
@@ -1436,9 +1400,7 @@
         </p:style>
         <p:txBody>
           <a:bodyPr anchor="ctr"/>
-          <a:lstStyle>
-            <a:extLst/>
-          </a:lstStyle>
+          <a:lstStyle/>
           <a:p>
             <a:pPr algn="ctr" eaLnBrk="1" latinLnBrk="0" hangingPunct="1"/>
             <a:endParaRPr kumimoji="0" lang="en-US"/>
@@ -1488,9 +1450,7 @@
         </p:spPr>
         <p:txBody>
           <a:bodyPr/>
-          <a:lstStyle>
-            <a:extLst/>
-          </a:lstStyle>
+          <a:lstStyle/>
           <a:p>
             <a:r>
               <a:rPr kumimoji="0" lang="zh-TW" altLang="en-US" smtClean="0"/>
@@ -1661,13 +1621,11 @@
         <p:spPr/>
         <p:txBody>
           <a:bodyPr/>
-          <a:lstStyle>
-            <a:extLst/>
-          </a:lstStyle>
+          <a:lstStyle/>
           <a:p>
             <a:fld id="{A41FF49D-663D-4487-9BE4-2286BE3F597B}" type="datetimeFigureOut">
               <a:rPr lang="zh-TW" altLang="en-US" smtClean="0"/>
-              <a:t>2018/4/25</a:t>
+              <a:t>2018/4/26</a:t>
             </a:fld>
             <a:endParaRPr lang="zh-TW" altLang="en-US"/>
           </a:p>
@@ -1686,9 +1644,7 @@
         <p:spPr/>
         <p:txBody>
           <a:bodyPr/>
-          <a:lstStyle>
-            <a:extLst/>
-          </a:lstStyle>
+          <a:lstStyle/>
           <a:p>
             <a:endParaRPr lang="zh-TW" altLang="en-US"/>
           </a:p>
@@ -1707,9 +1663,7 @@
         <p:spPr/>
         <p:txBody>
           <a:bodyPr/>
-          <a:lstStyle>
-            <a:extLst/>
-          </a:lstStyle>
+          <a:lstStyle/>
           <a:p>
             <a:fld id="{74CBAE19-BA89-4947-A6DB-93AC65259BEA}" type="slidenum">
               <a:rPr lang="zh-TW" altLang="en-US" smtClean="0"/>
@@ -2150,13 +2104,11 @@
         <p:spPr/>
         <p:txBody>
           <a:bodyPr/>
-          <a:lstStyle>
-            <a:extLst/>
-          </a:lstStyle>
+          <a:lstStyle/>
           <a:p>
             <a:fld id="{A41FF49D-663D-4487-9BE4-2286BE3F597B}" type="datetimeFigureOut">
               <a:rPr lang="zh-TW" altLang="en-US" smtClean="0"/>
-              <a:t>2018/4/25</a:t>
+              <a:t>2018/4/26</a:t>
             </a:fld>
             <a:endParaRPr lang="zh-TW" altLang="en-US"/>
           </a:p>
@@ -2175,9 +2127,7 @@
         <p:spPr/>
         <p:txBody>
           <a:bodyPr/>
-          <a:lstStyle>
-            <a:extLst/>
-          </a:lstStyle>
+          <a:lstStyle/>
           <a:p>
             <a:endParaRPr lang="zh-TW" altLang="en-US"/>
           </a:p>
@@ -2196,9 +2146,7 @@
         <p:spPr/>
         <p:txBody>
           <a:bodyPr/>
-          <a:lstStyle>
-            <a:extLst/>
-          </a:lstStyle>
+          <a:lstStyle/>
           <a:p>
             <a:fld id="{74CBAE19-BA89-4947-A6DB-93AC65259BEA}" type="slidenum">
               <a:rPr lang="zh-TW" altLang="en-US" smtClean="0"/>
@@ -2251,9 +2199,7 @@
         </p:spPr>
         <p:txBody>
           <a:bodyPr anchor="ctr"/>
-          <a:lstStyle>
-            <a:extLst/>
-          </a:lstStyle>
+          <a:lstStyle/>
           <a:p>
             <a:r>
               <a:rPr kumimoji="0" lang="zh-TW" altLang="en-US" smtClean="0"/>
@@ -2276,13 +2222,11 @@
         <p:spPr/>
         <p:txBody>
           <a:bodyPr/>
-          <a:lstStyle>
-            <a:extLst/>
-          </a:lstStyle>
+          <a:lstStyle/>
           <a:p>
             <a:fld id="{A41FF49D-663D-4487-9BE4-2286BE3F597B}" type="datetimeFigureOut">
               <a:rPr lang="zh-TW" altLang="en-US" smtClean="0"/>
-              <a:t>2018/4/25</a:t>
+              <a:t>2018/4/26</a:t>
             </a:fld>
             <a:endParaRPr lang="zh-TW" altLang="en-US"/>
           </a:p>
@@ -2301,9 +2245,7 @@
         <p:spPr/>
         <p:txBody>
           <a:bodyPr/>
-          <a:lstStyle>
-            <a:extLst/>
-          </a:lstStyle>
+          <a:lstStyle/>
           <a:p>
             <a:endParaRPr lang="zh-TW" altLang="en-US"/>
           </a:p>
@@ -2322,9 +2264,7 @@
         <p:spPr/>
         <p:txBody>
           <a:bodyPr/>
-          <a:lstStyle>
-            <a:extLst/>
-          </a:lstStyle>
+          <a:lstStyle/>
           <a:p>
             <a:fld id="{74CBAE19-BA89-4947-A6DB-93AC65259BEA}" type="slidenum">
               <a:rPr lang="zh-TW" altLang="en-US" smtClean="0"/>
@@ -2398,9 +2338,7 @@
         </p:style>
         <p:txBody>
           <a:bodyPr anchor="ctr"/>
-          <a:lstStyle>
-            <a:extLst/>
-          </a:lstStyle>
+          <a:lstStyle/>
           <a:p>
             <a:pPr algn="ctr" eaLnBrk="1" latinLnBrk="0" hangingPunct="1"/>
             <a:endParaRPr kumimoji="0" lang="en-US"/>
@@ -2420,13 +2358,11 @@
         <p:spPr/>
         <p:txBody>
           <a:bodyPr/>
-          <a:lstStyle>
-            <a:extLst/>
-          </a:lstStyle>
+          <a:lstStyle/>
           <a:p>
             <a:fld id="{A41FF49D-663D-4487-9BE4-2286BE3F597B}" type="datetimeFigureOut">
               <a:rPr lang="zh-TW" altLang="en-US" smtClean="0"/>
-              <a:t>2018/4/25</a:t>
+              <a:t>2018/4/26</a:t>
             </a:fld>
             <a:endParaRPr lang="zh-TW" altLang="en-US"/>
           </a:p>
@@ -2445,9 +2381,7 @@
         <p:spPr/>
         <p:txBody>
           <a:bodyPr/>
-          <a:lstStyle>
-            <a:extLst/>
-          </a:lstStyle>
+          <a:lstStyle/>
           <a:p>
             <a:endParaRPr lang="zh-TW" altLang="en-US"/>
           </a:p>
@@ -2466,9 +2400,7 @@
         <p:spPr/>
         <p:txBody>
           <a:bodyPr/>
-          <a:lstStyle>
-            <a:extLst/>
-          </a:lstStyle>
+          <a:lstStyle/>
           <a:p>
             <a:fld id="{74CBAE19-BA89-4947-A6DB-93AC65259BEA}" type="slidenum">
               <a:rPr lang="zh-TW" altLang="en-US" smtClean="0"/>
@@ -2525,9 +2457,7 @@
         </p:style>
         <p:txBody>
           <a:bodyPr anchor="ctr"/>
-          <a:lstStyle>
-            <a:extLst/>
-          </a:lstStyle>
+          <a:lstStyle/>
           <a:p>
             <a:pPr algn="ctr" eaLnBrk="1" latinLnBrk="0" hangingPunct="1"/>
             <a:endParaRPr kumimoji="0" lang="en-US"/>
@@ -2742,13 +2672,11 @@
         <p:spPr/>
         <p:txBody>
           <a:bodyPr/>
-          <a:lstStyle>
-            <a:extLst/>
-          </a:lstStyle>
+          <a:lstStyle/>
           <a:p>
             <a:fld id="{A41FF49D-663D-4487-9BE4-2286BE3F597B}" type="datetimeFigureOut">
               <a:rPr lang="zh-TW" altLang="en-US" smtClean="0"/>
-              <a:t>2018/4/25</a:t>
+              <a:t>2018/4/26</a:t>
             </a:fld>
             <a:endParaRPr lang="zh-TW" altLang="en-US"/>
           </a:p>
@@ -2767,9 +2695,7 @@
         <p:spPr/>
         <p:txBody>
           <a:bodyPr/>
-          <a:lstStyle>
-            <a:extLst/>
-          </a:lstStyle>
+          <a:lstStyle/>
           <a:p>
             <a:endParaRPr lang="zh-TW" altLang="en-US"/>
           </a:p>
@@ -2788,9 +2714,7 @@
         <p:spPr/>
         <p:txBody>
           <a:bodyPr/>
-          <a:lstStyle>
-            <a:extLst/>
-          </a:lstStyle>
+          <a:lstStyle/>
           <a:p>
             <a:fld id="{74CBAE19-BA89-4947-A6DB-93AC65259BEA}" type="slidenum">
               <a:rPr lang="zh-TW" altLang="en-US" smtClean="0"/>
@@ -2876,13 +2800,11 @@
         <p:spPr/>
         <p:txBody>
           <a:bodyPr/>
-          <a:lstStyle>
-            <a:extLst/>
-          </a:lstStyle>
+          <a:lstStyle/>
           <a:p>
             <a:fld id="{A41FF49D-663D-4487-9BE4-2286BE3F597B}" type="datetimeFigureOut">
               <a:rPr lang="zh-TW" altLang="en-US" smtClean="0"/>
-              <a:t>2018/4/25</a:t>
+              <a:t>2018/4/26</a:t>
             </a:fld>
             <a:endParaRPr lang="zh-TW" altLang="en-US"/>
           </a:p>
@@ -2901,9 +2823,7 @@
         <p:spPr/>
         <p:txBody>
           <a:bodyPr/>
-          <a:lstStyle>
-            <a:extLst/>
-          </a:lstStyle>
+          <a:lstStyle/>
           <a:p>
             <a:endParaRPr lang="zh-TW" altLang="en-US"/>
           </a:p>
@@ -2922,9 +2842,7 @@
         <p:spPr/>
         <p:txBody>
           <a:bodyPr/>
-          <a:lstStyle>
-            <a:extLst/>
-          </a:lstStyle>
+          <a:lstStyle/>
           <a:p>
             <a:fld id="{74CBAE19-BA89-4947-A6DB-93AC65259BEA}" type="slidenum">
               <a:rPr lang="zh-TW" altLang="en-US" smtClean="0"/>
@@ -2981,9 +2899,7 @@
           <a:bodyPr lIns="91440" tIns="274320" rtlCol="0" anchor="t">
             <a:normAutofit/>
           </a:bodyPr>
-          <a:lstStyle>
-            <a:extLst/>
-          </a:lstStyle>
+          <a:lstStyle/>
           <a:p>
             <a:pPr marL="0" indent="-283464" algn="l" rtl="0" eaLnBrk="1" latinLnBrk="0" hangingPunct="1">
               <a:lnSpc>
@@ -3111,9 +3027,7 @@
         </p:style>
         <p:txBody>
           <a:bodyPr anchor="ctr"/>
-          <a:lstStyle>
-            <a:extLst/>
-          </a:lstStyle>
+          <a:lstStyle/>
           <a:p>
             <a:pPr algn="ctr" eaLnBrk="1" latinLnBrk="0" hangingPunct="1"/>
             <a:endParaRPr kumimoji="0" lang="en-US"/>
@@ -3171,9 +3085,7 @@
         </p:style>
         <p:txBody>
           <a:bodyPr anchor="ctr"/>
-          <a:lstStyle>
-            <a:extLst/>
-          </a:lstStyle>
+          <a:lstStyle/>
           <a:p>
             <a:pPr algn="ctr" eaLnBrk="1" latinLnBrk="0" hangingPunct="1"/>
             <a:endParaRPr kumimoji="0" lang="en-US" dirty="0"/>
@@ -3318,9 +3230,7 @@
         </p:style>
         <p:txBody>
           <a:bodyPr anchor="ctr"/>
-          <a:lstStyle>
-            <a:extLst/>
-          </a:lstStyle>
+          <a:lstStyle/>
           <a:p>
             <a:pPr algn="ctr" eaLnBrk="1" latinLnBrk="0" hangingPunct="1"/>
             <a:endParaRPr kumimoji="0" lang="en-US"/>
@@ -3378,9 +3288,7 @@
         </p:style>
         <p:txBody>
           <a:bodyPr anchor="ctr"/>
-          <a:lstStyle>
-            <a:extLst/>
-          </a:lstStyle>
+          <a:lstStyle/>
           <a:p>
             <a:pPr algn="ctr" eaLnBrk="1" latinLnBrk="0" hangingPunct="1"/>
             <a:endParaRPr kumimoji="0" lang="en-US"/>
@@ -3470,9 +3378,7 @@
         </p:style>
         <p:txBody>
           <a:bodyPr anchor="ctr"/>
-          <a:lstStyle>
-            <a:extLst/>
-          </a:lstStyle>
+          <a:lstStyle/>
           <a:p>
             <a:pPr algn="ctr" eaLnBrk="1" latinLnBrk="0" hangingPunct="1"/>
             <a:endParaRPr kumimoji="0" lang="en-US"/>
@@ -3518,9 +3424,7 @@
         </p:style>
         <p:txBody>
           <a:bodyPr anchor="ctr"/>
-          <a:lstStyle>
-            <a:extLst/>
-          </a:lstStyle>
+          <a:lstStyle/>
           <a:p>
             <a:pPr algn="ctr" eaLnBrk="1" latinLnBrk="0" hangingPunct="1"/>
             <a:endParaRPr kumimoji="0" lang="en-US"/>
@@ -3550,9 +3454,7 @@
           <a:bodyPr anchor="ctr">
             <a:normAutofit/>
           </a:bodyPr>
-          <a:lstStyle>
-            <a:extLst/>
-          </a:lstStyle>
+          <a:lstStyle/>
           <a:p>
             <a:r>
               <a:rPr kumimoji="0" lang="zh-TW" altLang="en-US" smtClean="0"/>
@@ -3585,9 +3487,7 @@
           <a:bodyPr>
             <a:normAutofit/>
           </a:bodyPr>
-          <a:lstStyle>
-            <a:extLst/>
-          </a:lstStyle>
+          <a:lstStyle/>
           <a:p>
             <a:pPr lvl="0" eaLnBrk="1" latinLnBrk="0" hangingPunct="1"/>
             <a:r>
@@ -3663,7 +3563,7 @@
           <a:p>
             <a:fld id="{A41FF49D-663D-4487-9BE4-2286BE3F597B}" type="datetimeFigureOut">
               <a:rPr lang="zh-TW" altLang="en-US" smtClean="0"/>
-              <a:t>2018/4/25</a:t>
+              <a:t>2018/4/26</a:t>
             </a:fld>
             <a:endParaRPr lang="zh-TW" altLang="en-US"/>
           </a:p>
@@ -3800,9 +3700,7 @@
         </p:style>
         <p:txBody>
           <a:bodyPr anchor="ctr"/>
-          <a:lstStyle>
-            <a:extLst/>
-          </a:lstStyle>
+          <a:lstStyle/>
           <a:p>
             <a:pPr algn="ctr" eaLnBrk="1" latinLnBrk="0" hangingPunct="1"/>
             <a:endParaRPr kumimoji="0" lang="en-US"/>
@@ -4685,6 +4583,36 @@
           <a:chExt cx="0" cy="0"/>
         </a:xfrm>
       </p:grpSpPr>
+      <p:pic>
+        <p:nvPicPr>
+          <p:cNvPr id="2" name="圖片 1"/>
+          <p:cNvPicPr>
+            <a:picLocks noChangeAspect="1"/>
+          </p:cNvPicPr>
+          <p:nvPr/>
+        </p:nvPicPr>
+        <p:blipFill>
+          <a:blip r:embed="rId2">
+            <a:extLst>
+              <a:ext uri="{28A0092B-C50C-407E-A947-70E740481C1C}">
+                <a14:useLocalDpi xmlns:a14="http://schemas.microsoft.com/office/drawing/2010/main" val="0"/>
+              </a:ext>
+            </a:extLst>
+          </a:blip>
+          <a:stretch>
+            <a:fillRect/>
+          </a:stretch>
+        </p:blipFill>
+        <p:spPr>
+          <a:xfrm>
+            <a:off x="1631878" y="0"/>
+            <a:ext cx="5880244" cy="6858000"/>
+          </a:xfrm>
+          <a:prstGeom prst="rect">
+            <a:avLst/>
+          </a:prstGeom>
+        </p:spPr>
+      </p:pic>
     </p:spTree>
     <p:extLst>
       <p:ext uri="{BB962C8B-B14F-4D97-AF65-F5344CB8AC3E}">
@@ -4956,8 +4884,20 @@
                 <a:tableStyleId>{5C22544A-7EE6-4342-B048-85BDC9FD1C3A}</a:tableStyleId>
               </a:tblPr>
               <a:tblGrid>
-                <a:gridCol w="3048000"/>
-                <a:gridCol w="3048000"/>
+                <a:gridCol w="3048000">
+                  <a:extLst>
+                    <a:ext uri="{9D8B030D-6E8A-4147-A177-3AD203B41FA5}">
+                      <a16:colId xmlns:a16="http://schemas.microsoft.com/office/drawing/2014/main" val="20000"/>
+                    </a:ext>
+                  </a:extLst>
+                </a:gridCol>
+                <a:gridCol w="3048000">
+                  <a:extLst>
+                    <a:ext uri="{9D8B030D-6E8A-4147-A177-3AD203B41FA5}">
+                      <a16:colId xmlns:a16="http://schemas.microsoft.com/office/drawing/2014/main" val="20001"/>
+                    </a:ext>
+                  </a:extLst>
+                </a:gridCol>
               </a:tblGrid>
               <a:tr h="1464163">
                 <a:tc>
@@ -5014,6 +4954,11 @@
                   </a:txBody>
                   <a:tcPr/>
                 </a:tc>
+                <a:extLst>
+                  <a:ext uri="{0D108BD9-81ED-4DB2-BD59-A6C34878D82A}">
+                    <a16:rowId xmlns:a16="http://schemas.microsoft.com/office/drawing/2014/main" val="10000"/>
+                  </a:ext>
+                </a:extLst>
               </a:tr>
               <a:tr h="1464163">
                 <a:tc>
@@ -5063,6 +5008,11 @@
                   </a:txBody>
                   <a:tcPr/>
                 </a:tc>
+                <a:extLst>
+                  <a:ext uri="{0D108BD9-81ED-4DB2-BD59-A6C34878D82A}">
+                    <a16:rowId xmlns:a16="http://schemas.microsoft.com/office/drawing/2014/main" val="10001"/>
+                  </a:ext>
+                </a:extLst>
               </a:tr>
               <a:tr h="1464163">
                 <a:tc>
@@ -5142,6 +5092,11 @@
                   </a:txBody>
                   <a:tcPr/>
                 </a:tc>
+                <a:extLst>
+                  <a:ext uri="{0D108BD9-81ED-4DB2-BD59-A6C34878D82A}">
+                    <a16:rowId xmlns:a16="http://schemas.microsoft.com/office/drawing/2014/main" val="10002"/>
+                  </a:ext>
+                </a:extLst>
               </a:tr>
             </a:tbl>
           </a:graphicData>
@@ -5407,20 +5362,55 @@
       </p:sp>
       <p:sp>
         <p:nvSpPr>
-          <p:cNvPr id="3" name="內容版面配置區 2"/>
-          <p:cNvSpPr>
-            <a:spLocks noGrp="1"/>
-          </p:cNvSpPr>
-          <p:nvPr>
-            <p:ph idx="1"/>
-          </p:nvPr>
-        </p:nvSpPr>
-        <p:spPr/>
-        <p:txBody>
-          <a:bodyPr/>
-          <a:lstStyle/>
-          <a:p>
-            <a:endParaRPr lang="zh-TW" altLang="en-US" dirty="0"/>
+          <p:cNvPr id="4" name="五邊形 3"/>
+          <p:cNvSpPr/>
+          <p:nvPr/>
+        </p:nvSpPr>
+        <p:spPr>
+          <a:xfrm>
+            <a:off x="1012808" y="1700808"/>
+            <a:ext cx="7920880" cy="4176464"/>
+          </a:xfrm>
+          <a:prstGeom prst="homePlate">
+            <a:avLst/>
+          </a:prstGeom>
+        </p:spPr>
+        <p:style>
+          <a:lnRef idx="2">
+            <a:schemeClr val="accent1">
+              <a:shade val="50000"/>
+            </a:schemeClr>
+          </a:lnRef>
+          <a:fillRef idx="1003">
+            <a:schemeClr val="lt2"/>
+          </a:fillRef>
+          <a:effectRef idx="0">
+            <a:schemeClr val="accent1"/>
+          </a:effectRef>
+          <a:fontRef idx="minor">
+            <a:schemeClr val="lt1"/>
+          </a:fontRef>
+        </p:style>
+        <p:txBody>
+          <a:bodyPr rtlCol="0" anchor="ctr"/>
+          <a:lstStyle/>
+          <a:p>
+            <a:pPr algn="ctr"/>
+            <a:r>
+              <a:rPr lang="zh-TW" altLang="en-US" sz="4000" dirty="0" smtClean="0">
+                <a:solidFill>
+                  <a:srgbClr val="002060"/>
+                </a:solidFill>
+                <a:latin typeface="+mn-ea"/>
+              </a:rPr>
+              <a:t>為了讓資訊工程系發揚光大，讓更多人看見。</a:t>
+            </a:r>
+            <a:endParaRPr lang="zh-TW" altLang="en-US" sz="4000" dirty="0">
+              <a:solidFill>
+                <a:srgbClr val="002060"/>
+              </a:solidFill>
+              <a:latin typeface="+mn-ea"/>
+            </a:endParaRPr>
           </a:p>
         </p:txBody>
       </p:sp>
